--- a/Latex/Automatinė-ūkio-valdymo-sistema-III.pptx
+++ b/Latex/Automatinė-ūkio-valdymo-sistema-III.pptx
@@ -16,13 +16,10 @@
     <p:sldId id="264" r:id="rId10"/>
     <p:sldId id="265" r:id="rId11"/>
     <p:sldId id="266" r:id="rId12"/>
-    <p:sldId id="267" r:id="rId13"/>
-    <p:sldId id="268" r:id="rId14"/>
-    <p:sldId id="269" r:id="rId15"/>
-    <p:sldId id="270" r:id="rId16"/>
-    <p:sldId id="271" r:id="rId17"/>
-    <p:sldId id="272" r:id="rId18"/>
-    <p:sldId id="273" r:id="rId19"/>
+    <p:sldId id="268" r:id="rId13"/>
+    <p:sldId id="271" r:id="rId14"/>
+    <p:sldId id="272" r:id="rId15"/>
+    <p:sldId id="273" r:id="rId16"/>
   </p:sldIdLst>
   <p:sldSz cx="9144000" cy="6858000" type="screen4x3"/>
   <p:notesSz cx="6858000" cy="9144000"/>
@@ -121,6 +118,22 @@
       </a:defRPr>
     </a:lvl9pPr>
   </p:defaultTextStyle>
+  <p:extLst>
+    <p:ext uri="{EFAFB233-063F-42B5-8137-9DF3F51BA10A}">
+      <p15:sldGuideLst xmlns:p15="http://schemas.microsoft.com/office/powerpoint/2012/main">
+        <p15:guide id="1" orient="horz" pos="2160">
+          <p15:clr>
+            <a:srgbClr val="A4A3A4"/>
+          </p15:clr>
+        </p15:guide>
+        <p15:guide id="2" pos="2880">
+          <p15:clr>
+            <a:srgbClr val="A4A3A4"/>
+          </p15:clr>
+        </p15:guide>
+      </p15:sldGuideLst>
+    </p:ext>
+  </p:extLst>
 </p:presentation>
 </file>
 
@@ -162,7 +175,7 @@
           <a:lstStyle/>
           <a:p>
             <a:r>
-              <a:rPr lang="en-US" smtClean="0"/>
+              <a:rPr lang="en-US"/>
               <a:t>Click to edit Master title style</a:t>
             </a:r>
             <a:endParaRPr lang="lt-LT"/>
@@ -281,7 +294,7 @@
           </a:lstStyle>
           <a:p>
             <a:r>
-              <a:rPr lang="en-US" smtClean="0"/>
+              <a:rPr lang="en-US"/>
               <a:t>Click to edit Master subtitle style</a:t>
             </a:r>
             <a:endParaRPr lang="lt-LT"/>
@@ -399,7 +412,7 @@
           <a:lstStyle/>
           <a:p>
             <a:r>
-              <a:rPr lang="en-US" smtClean="0"/>
+              <a:rPr lang="en-US"/>
               <a:t>Click to edit Master title style</a:t>
             </a:r>
             <a:endParaRPr lang="lt-LT"/>
@@ -423,35 +436,35 @@
           <a:p>
             <a:pPr lvl="0"/>
             <a:r>
-              <a:rPr lang="en-US" smtClean="0"/>
+              <a:rPr lang="en-US"/>
               <a:t>Click to edit Master text styles</a:t>
             </a:r>
           </a:p>
           <a:p>
             <a:pPr lvl="1"/>
             <a:r>
-              <a:rPr lang="en-US" smtClean="0"/>
+              <a:rPr lang="en-US"/>
               <a:t>Second level</a:t>
             </a:r>
           </a:p>
           <a:p>
             <a:pPr lvl="2"/>
             <a:r>
-              <a:rPr lang="en-US" smtClean="0"/>
+              <a:rPr lang="en-US"/>
               <a:t>Third level</a:t>
             </a:r>
           </a:p>
           <a:p>
             <a:pPr lvl="3"/>
             <a:r>
-              <a:rPr lang="en-US" smtClean="0"/>
+              <a:rPr lang="en-US"/>
               <a:t>Fourth level</a:t>
             </a:r>
           </a:p>
           <a:p>
             <a:pPr lvl="4"/>
             <a:r>
-              <a:rPr lang="en-US" smtClean="0"/>
+              <a:rPr lang="en-US"/>
               <a:t>Fifth level</a:t>
             </a:r>
             <a:endParaRPr lang="lt-LT"/>
@@ -574,7 +587,7 @@
           <a:lstStyle/>
           <a:p>
             <a:r>
-              <a:rPr lang="en-US" smtClean="0"/>
+              <a:rPr lang="en-US"/>
               <a:t>Click to edit Master title style</a:t>
             </a:r>
             <a:endParaRPr lang="lt-LT"/>
@@ -603,35 +616,35 @@
           <a:p>
             <a:pPr lvl="0"/>
             <a:r>
-              <a:rPr lang="en-US" smtClean="0"/>
+              <a:rPr lang="en-US"/>
               <a:t>Click to edit Master text styles</a:t>
             </a:r>
           </a:p>
           <a:p>
             <a:pPr lvl="1"/>
             <a:r>
-              <a:rPr lang="en-US" smtClean="0"/>
+              <a:rPr lang="en-US"/>
               <a:t>Second level</a:t>
             </a:r>
           </a:p>
           <a:p>
             <a:pPr lvl="2"/>
             <a:r>
-              <a:rPr lang="en-US" smtClean="0"/>
+              <a:rPr lang="en-US"/>
               <a:t>Third level</a:t>
             </a:r>
           </a:p>
           <a:p>
             <a:pPr lvl="3"/>
             <a:r>
-              <a:rPr lang="en-US" smtClean="0"/>
+              <a:rPr lang="en-US"/>
               <a:t>Fourth level</a:t>
             </a:r>
           </a:p>
           <a:p>
             <a:pPr lvl="4"/>
             <a:r>
-              <a:rPr lang="en-US" smtClean="0"/>
+              <a:rPr lang="en-US"/>
               <a:t>Fifth level</a:t>
             </a:r>
             <a:endParaRPr lang="lt-LT"/>
@@ -749,7 +762,7 @@
           <a:lstStyle/>
           <a:p>
             <a:r>
-              <a:rPr lang="en-US" smtClean="0"/>
+              <a:rPr lang="en-US"/>
               <a:t>Click to edit Master title style</a:t>
             </a:r>
             <a:endParaRPr lang="lt-LT"/>
@@ -773,35 +786,35 @@
           <a:p>
             <a:pPr lvl="0"/>
             <a:r>
-              <a:rPr lang="en-US" smtClean="0"/>
+              <a:rPr lang="en-US"/>
               <a:t>Click to edit Master text styles</a:t>
             </a:r>
           </a:p>
           <a:p>
             <a:pPr lvl="1"/>
             <a:r>
-              <a:rPr lang="en-US" smtClean="0"/>
+              <a:rPr lang="en-US"/>
               <a:t>Second level</a:t>
             </a:r>
           </a:p>
           <a:p>
             <a:pPr lvl="2"/>
             <a:r>
-              <a:rPr lang="en-US" smtClean="0"/>
+              <a:rPr lang="en-US"/>
               <a:t>Third level</a:t>
             </a:r>
           </a:p>
           <a:p>
             <a:pPr lvl="3"/>
             <a:r>
-              <a:rPr lang="en-US" smtClean="0"/>
+              <a:rPr lang="en-US"/>
               <a:t>Fourth level</a:t>
             </a:r>
           </a:p>
           <a:p>
             <a:pPr lvl="4"/>
             <a:r>
-              <a:rPr lang="en-US" smtClean="0"/>
+              <a:rPr lang="en-US"/>
               <a:t>Fifth level</a:t>
             </a:r>
             <a:endParaRPr lang="lt-LT"/>
@@ -928,7 +941,7 @@
           </a:lstStyle>
           <a:p>
             <a:r>
-              <a:rPr lang="en-US" smtClean="0"/>
+              <a:rPr lang="en-US"/>
               <a:t>Click to edit Master title style</a:t>
             </a:r>
             <a:endParaRPr lang="lt-LT"/>
@@ -1048,7 +1061,7 @@
           <a:p>
             <a:pPr lvl="0"/>
             <a:r>
-              <a:rPr lang="en-US" smtClean="0"/>
+              <a:rPr lang="en-US"/>
               <a:t>Click to edit Master text styles</a:t>
             </a:r>
           </a:p>
@@ -1165,7 +1178,7 @@
           <a:lstStyle/>
           <a:p>
             <a:r>
-              <a:rPr lang="en-US" smtClean="0"/>
+              <a:rPr lang="en-US"/>
               <a:t>Click to edit Master title style</a:t>
             </a:r>
             <a:endParaRPr lang="lt-LT"/>
@@ -1222,35 +1235,35 @@
           <a:p>
             <a:pPr lvl="0"/>
             <a:r>
-              <a:rPr lang="en-US" smtClean="0"/>
+              <a:rPr lang="en-US"/>
               <a:t>Click to edit Master text styles</a:t>
             </a:r>
           </a:p>
           <a:p>
             <a:pPr lvl="1"/>
             <a:r>
-              <a:rPr lang="en-US" smtClean="0"/>
+              <a:rPr lang="en-US"/>
               <a:t>Second level</a:t>
             </a:r>
           </a:p>
           <a:p>
             <a:pPr lvl="2"/>
             <a:r>
-              <a:rPr lang="en-US" smtClean="0"/>
+              <a:rPr lang="en-US"/>
               <a:t>Third level</a:t>
             </a:r>
           </a:p>
           <a:p>
             <a:pPr lvl="3"/>
             <a:r>
-              <a:rPr lang="en-US" smtClean="0"/>
+              <a:rPr lang="en-US"/>
               <a:t>Fourth level</a:t>
             </a:r>
           </a:p>
           <a:p>
             <a:pPr lvl="4"/>
             <a:r>
-              <a:rPr lang="en-US" smtClean="0"/>
+              <a:rPr lang="en-US"/>
               <a:t>Fifth level</a:t>
             </a:r>
             <a:endParaRPr lang="lt-LT"/>
@@ -1307,35 +1320,35 @@
           <a:p>
             <a:pPr lvl="0"/>
             <a:r>
-              <a:rPr lang="en-US" smtClean="0"/>
+              <a:rPr lang="en-US"/>
               <a:t>Click to edit Master text styles</a:t>
             </a:r>
           </a:p>
           <a:p>
             <a:pPr lvl="1"/>
             <a:r>
-              <a:rPr lang="en-US" smtClean="0"/>
+              <a:rPr lang="en-US"/>
               <a:t>Second level</a:t>
             </a:r>
           </a:p>
           <a:p>
             <a:pPr lvl="2"/>
             <a:r>
-              <a:rPr lang="en-US" smtClean="0"/>
+              <a:rPr lang="en-US"/>
               <a:t>Third level</a:t>
             </a:r>
           </a:p>
           <a:p>
             <a:pPr lvl="3"/>
             <a:r>
-              <a:rPr lang="en-US" smtClean="0"/>
+              <a:rPr lang="en-US"/>
               <a:t>Fourth level</a:t>
             </a:r>
           </a:p>
           <a:p>
             <a:pPr lvl="4"/>
             <a:r>
-              <a:rPr lang="en-US" smtClean="0"/>
+              <a:rPr lang="en-US"/>
               <a:t>Fifth level</a:t>
             </a:r>
             <a:endParaRPr lang="lt-LT"/>
@@ -1457,7 +1470,7 @@
           </a:lstStyle>
           <a:p>
             <a:r>
-              <a:rPr lang="en-US" smtClean="0"/>
+              <a:rPr lang="en-US"/>
               <a:t>Click to edit Master title style</a:t>
             </a:r>
             <a:endParaRPr lang="lt-LT"/>
@@ -1523,7 +1536,7 @@
           <a:p>
             <a:pPr lvl="0"/>
             <a:r>
-              <a:rPr lang="en-US" smtClean="0"/>
+              <a:rPr lang="en-US"/>
               <a:t>Click to edit Master text styles</a:t>
             </a:r>
           </a:p>
@@ -1579,35 +1592,35 @@
           <a:p>
             <a:pPr lvl="0"/>
             <a:r>
-              <a:rPr lang="en-US" smtClean="0"/>
+              <a:rPr lang="en-US"/>
               <a:t>Click to edit Master text styles</a:t>
             </a:r>
           </a:p>
           <a:p>
             <a:pPr lvl="1"/>
             <a:r>
-              <a:rPr lang="en-US" smtClean="0"/>
+              <a:rPr lang="en-US"/>
               <a:t>Second level</a:t>
             </a:r>
           </a:p>
           <a:p>
             <a:pPr lvl="2"/>
             <a:r>
-              <a:rPr lang="en-US" smtClean="0"/>
+              <a:rPr lang="en-US"/>
               <a:t>Third level</a:t>
             </a:r>
           </a:p>
           <a:p>
             <a:pPr lvl="3"/>
             <a:r>
-              <a:rPr lang="en-US" smtClean="0"/>
+              <a:rPr lang="en-US"/>
               <a:t>Fourth level</a:t>
             </a:r>
           </a:p>
           <a:p>
             <a:pPr lvl="4"/>
             <a:r>
-              <a:rPr lang="en-US" smtClean="0"/>
+              <a:rPr lang="en-US"/>
               <a:t>Fifth level</a:t>
             </a:r>
             <a:endParaRPr lang="lt-LT"/>
@@ -1673,7 +1686,7 @@
           <a:p>
             <a:pPr lvl="0"/>
             <a:r>
-              <a:rPr lang="en-US" smtClean="0"/>
+              <a:rPr lang="en-US"/>
               <a:t>Click to edit Master text styles</a:t>
             </a:r>
           </a:p>
@@ -1729,35 +1742,35 @@
           <a:p>
             <a:pPr lvl="0"/>
             <a:r>
-              <a:rPr lang="en-US" smtClean="0"/>
+              <a:rPr lang="en-US"/>
               <a:t>Click to edit Master text styles</a:t>
             </a:r>
           </a:p>
           <a:p>
             <a:pPr lvl="1"/>
             <a:r>
-              <a:rPr lang="en-US" smtClean="0"/>
+              <a:rPr lang="en-US"/>
               <a:t>Second level</a:t>
             </a:r>
           </a:p>
           <a:p>
             <a:pPr lvl="2"/>
             <a:r>
-              <a:rPr lang="en-US" smtClean="0"/>
+              <a:rPr lang="en-US"/>
               <a:t>Third level</a:t>
             </a:r>
           </a:p>
           <a:p>
             <a:pPr lvl="3"/>
             <a:r>
-              <a:rPr lang="en-US" smtClean="0"/>
+              <a:rPr lang="en-US"/>
               <a:t>Fourth level</a:t>
             </a:r>
           </a:p>
           <a:p>
             <a:pPr lvl="4"/>
             <a:r>
-              <a:rPr lang="en-US" smtClean="0"/>
+              <a:rPr lang="en-US"/>
               <a:t>Fifth level</a:t>
             </a:r>
             <a:endParaRPr lang="lt-LT"/>
@@ -1875,7 +1888,7 @@
           <a:lstStyle/>
           <a:p>
             <a:r>
-              <a:rPr lang="en-US" smtClean="0"/>
+              <a:rPr lang="en-US"/>
               <a:t>Click to edit Master title style</a:t>
             </a:r>
             <a:endParaRPr lang="lt-LT"/>
@@ -2097,7 +2110,7 @@
           </a:lstStyle>
           <a:p>
             <a:r>
-              <a:rPr lang="en-US" smtClean="0"/>
+              <a:rPr lang="en-US"/>
               <a:t>Click to edit Master title style</a:t>
             </a:r>
             <a:endParaRPr lang="lt-LT"/>
@@ -2154,35 +2167,35 @@
           <a:p>
             <a:pPr lvl="0"/>
             <a:r>
-              <a:rPr lang="en-US" smtClean="0"/>
+              <a:rPr lang="en-US"/>
               <a:t>Click to edit Master text styles</a:t>
             </a:r>
           </a:p>
           <a:p>
             <a:pPr lvl="1"/>
             <a:r>
-              <a:rPr lang="en-US" smtClean="0"/>
+              <a:rPr lang="en-US"/>
               <a:t>Second level</a:t>
             </a:r>
           </a:p>
           <a:p>
             <a:pPr lvl="2"/>
             <a:r>
-              <a:rPr lang="en-US" smtClean="0"/>
+              <a:rPr lang="en-US"/>
               <a:t>Third level</a:t>
             </a:r>
           </a:p>
           <a:p>
             <a:pPr lvl="3"/>
             <a:r>
-              <a:rPr lang="en-US" smtClean="0"/>
+              <a:rPr lang="en-US"/>
               <a:t>Fourth level</a:t>
             </a:r>
           </a:p>
           <a:p>
             <a:pPr lvl="4"/>
             <a:r>
-              <a:rPr lang="en-US" smtClean="0"/>
+              <a:rPr lang="en-US"/>
               <a:t>Fifth level</a:t>
             </a:r>
             <a:endParaRPr lang="lt-LT"/>
@@ -2248,7 +2261,7 @@
           <a:p>
             <a:pPr lvl="0"/>
             <a:r>
-              <a:rPr lang="en-US" smtClean="0"/>
+              <a:rPr lang="en-US"/>
               <a:t>Click to edit Master text styles</a:t>
             </a:r>
           </a:p>
@@ -2374,7 +2387,7 @@
           </a:lstStyle>
           <a:p>
             <a:r>
-              <a:rPr lang="en-US" smtClean="0"/>
+              <a:rPr lang="en-US"/>
               <a:t>Click to edit Master title style</a:t>
             </a:r>
             <a:endParaRPr lang="lt-LT"/>
@@ -2501,7 +2514,7 @@
           <a:p>
             <a:pPr lvl="0"/>
             <a:r>
-              <a:rPr lang="en-US" smtClean="0"/>
+              <a:rPr lang="en-US"/>
               <a:t>Click to edit Master text styles</a:t>
             </a:r>
           </a:p>
@@ -2633,7 +2646,7 @@
           <a:lstStyle/>
           <a:p>
             <a:r>
-              <a:rPr lang="en-US" smtClean="0"/>
+              <a:rPr lang="en-US"/>
               <a:t>Click to edit Master title style</a:t>
             </a:r>
             <a:endParaRPr lang="lt-LT"/>
@@ -2667,35 +2680,35 @@
           <a:p>
             <a:pPr lvl="0"/>
             <a:r>
-              <a:rPr lang="en-US" smtClean="0"/>
+              <a:rPr lang="en-US"/>
               <a:t>Click to edit Master text styles</a:t>
             </a:r>
           </a:p>
           <a:p>
             <a:pPr lvl="1"/>
             <a:r>
-              <a:rPr lang="en-US" smtClean="0"/>
+              <a:rPr lang="en-US"/>
               <a:t>Second level</a:t>
             </a:r>
           </a:p>
           <a:p>
             <a:pPr lvl="2"/>
             <a:r>
-              <a:rPr lang="en-US" smtClean="0"/>
+              <a:rPr lang="en-US"/>
               <a:t>Third level</a:t>
             </a:r>
           </a:p>
           <a:p>
             <a:pPr lvl="3"/>
             <a:r>
-              <a:rPr lang="en-US" smtClean="0"/>
+              <a:rPr lang="en-US"/>
               <a:t>Fourth level</a:t>
             </a:r>
           </a:p>
           <a:p>
             <a:pPr lvl="4"/>
             <a:r>
-              <a:rPr lang="en-US" smtClean="0"/>
+              <a:rPr lang="en-US"/>
               <a:t>Fifth level</a:t>
             </a:r>
             <a:endParaRPr lang="lt-LT"/>
@@ -3136,7 +3149,7 @@
           <a:p>
             <a:pPr algn="r"/>
             <a:r>
-              <a:rPr lang="lt-LT" dirty="0" smtClean="0">
+              <a:rPr lang="lt-LT" dirty="0">
                 <a:effectLst/>
                 <a:latin typeface="Times New Roman" panose="02020603050405020304" pitchFamily="18" charset="0"/>
                 <a:cs typeface="Times New Roman" panose="02020603050405020304" pitchFamily="18" charset="0"/>
@@ -3144,23 +3157,19 @@
               <a:t>Automatinė ūkio valdymo sistema</a:t>
             </a:r>
             <a:br>
-              <a:rPr lang="lt-LT" dirty="0" smtClean="0">
+              <a:rPr lang="lt-LT" dirty="0">
                 <a:effectLst/>
                 <a:latin typeface="Times New Roman" panose="02020603050405020304" pitchFamily="18" charset="0"/>
                 <a:cs typeface="Times New Roman" panose="02020603050405020304" pitchFamily="18" charset="0"/>
               </a:rPr>
             </a:br>
             <a:r>
-              <a:rPr lang="lt-LT" sz="3100" dirty="0" smtClean="0">
+              <a:rPr lang="lt-LT" sz="3100" dirty="0">
                 <a:latin typeface="Times New Roman" panose="02020603050405020304" pitchFamily="18" charset="0"/>
                 <a:cs typeface="Times New Roman" panose="02020603050405020304" pitchFamily="18" charset="0"/>
               </a:rPr>
               <a:t>Laboratorinis darbas III</a:t>
             </a:r>
-            <a:endParaRPr lang="lt-LT" sz="3100" dirty="0">
-              <a:latin typeface="Times New Roman" panose="02020603050405020304" pitchFamily="18" charset="0"/>
-              <a:cs typeface="Times New Roman" panose="02020603050405020304" pitchFamily="18" charset="0"/>
-            </a:endParaRPr>
           </a:p>
         </p:txBody>
       </p:sp>
@@ -3183,7 +3192,7 @@
           <a:p>
             <a:pPr algn="r"/>
             <a:r>
-              <a:rPr lang="lt-LT" dirty="0" smtClean="0">
+              <a:rPr lang="lt-LT" dirty="0">
                 <a:latin typeface="Times New Roman" panose="02020603050405020304" pitchFamily="18" charset="0"/>
                 <a:cs typeface="Times New Roman" panose="02020603050405020304" pitchFamily="18" charset="0"/>
               </a:rPr>
@@ -3193,7 +3202,7 @@
           <a:p>
             <a:pPr algn="r"/>
             <a:r>
-              <a:rPr lang="lt-LT" dirty="0" smtClean="0">
+              <a:rPr lang="lt-LT" dirty="0">
                 <a:latin typeface="Times New Roman" panose="02020603050405020304" pitchFamily="18" charset="0"/>
                 <a:cs typeface="Times New Roman" panose="02020603050405020304" pitchFamily="18" charset="0"/>
               </a:rPr>
@@ -3203,7 +3212,7 @@
           <a:p>
             <a:pPr algn="r"/>
             <a:r>
-              <a:rPr lang="lt-LT" dirty="0" smtClean="0">
+              <a:rPr lang="lt-LT" dirty="0">
                 <a:latin typeface="Times New Roman" panose="02020603050405020304" pitchFamily="18" charset="0"/>
                 <a:cs typeface="Times New Roman" panose="02020603050405020304" pitchFamily="18" charset="0"/>
               </a:rPr>
@@ -3213,7 +3222,7 @@
           <a:p>
             <a:pPr algn="r"/>
             <a:r>
-              <a:rPr lang="lt-LT" dirty="0" smtClean="0">
+              <a:rPr lang="lt-LT" dirty="0">
                 <a:latin typeface="Times New Roman" panose="02020603050405020304" pitchFamily="18" charset="0"/>
                 <a:cs typeface="Times New Roman" panose="02020603050405020304" pitchFamily="18" charset="0"/>
               </a:rPr>
@@ -3223,21 +3232,21 @@
           <a:p>
             <a:pPr algn="r"/>
             <a:r>
-              <a:rPr lang="lt-LT" dirty="0" smtClean="0">
+              <a:rPr lang="lt-LT" dirty="0">
                 <a:latin typeface="Times New Roman" panose="02020603050405020304" pitchFamily="18" charset="0"/>
                 <a:cs typeface="Times New Roman" panose="02020603050405020304" pitchFamily="18" charset="0"/>
               </a:rPr>
               <a:t>Darbo vadovas: </a:t>
             </a:r>
             <a:r>
-              <a:rPr lang="lt-LT" dirty="0" smtClean="0">
+              <a:rPr lang="lt-LT" dirty="0">
                 <a:effectLst/>
                 <a:latin typeface="Times New Roman" panose="02020603050405020304" pitchFamily="18" charset="0"/>
                 <a:cs typeface="Times New Roman" panose="02020603050405020304" pitchFamily="18" charset="0"/>
               </a:rPr>
               <a:t>Karolis Petrauskas, Doc., Dr.</a:t>
             </a:r>
-            <a:endParaRPr lang="lt-LT" dirty="0" smtClean="0">
+            <a:endParaRPr lang="lt-LT" dirty="0">
               <a:latin typeface="Times New Roman" panose="02020603050405020304" pitchFamily="18" charset="0"/>
               <a:cs typeface="Times New Roman" panose="02020603050405020304" pitchFamily="18" charset="0"/>
             </a:endParaRPr>
@@ -3254,13 +3263,6 @@
   <p:clrMapOvr>
     <a:masterClrMapping/>
   </p:clrMapOvr>
-  <p:timing>
-    <p:tnLst>
-      <p:par>
-        <p:cTn id="1" dur="indefinite" restart="never" nodeType="tmRoot"/>
-      </p:par>
-    </p:tnLst>
-  </p:timing>
 </p:sld>
 </file>
 
@@ -3297,10 +3299,9 @@
           <a:lstStyle/>
           <a:p>
             <a:r>
-              <a:rPr lang="lt-LT" dirty="0" smtClean="0"/>
+              <a:rPr lang="lt-LT" dirty="0"/>
               <a:t>Strategijos</a:t>
             </a:r>
-            <a:endParaRPr lang="lt-LT" dirty="0"/>
           </a:p>
         </p:txBody>
       </p:sp>
@@ -3326,22 +3327,14 @@
           </a:p>
           <a:p>
             <a:r>
-              <a:rPr lang="lt-LT" dirty="0" smtClean="0"/>
-              <a:t>Išpopuliarinti </a:t>
-            </a:r>
-            <a:r>
               <a:rPr lang="lt-LT" dirty="0"/>
-              <a:t>sistemą tarp Lietuvos ūkininkų.</a:t>
-            </a:r>
-          </a:p>
-          <a:p>
-            <a:r>
-              <a:rPr lang="lt-LT" dirty="0" smtClean="0"/>
-              <a:t>Surinkti </a:t>
-            </a:r>
+              <a:t>Išpopuliarinti sistemą tarp Lietuvos ūkininkų.</a:t>
+            </a:r>
+          </a:p>
+          <a:p>
             <a:r>
               <a:rPr lang="lt-LT" dirty="0"/>
-              <a:t>informaciją apie tinkamą, patogią ir patrauklią grafinę varototojo sąsają.</a:t>
+              <a:t>Surinkti informaciją apie tinkamą, patogią ir patrauklią grafinę varototojo sąsają.</a:t>
             </a:r>
           </a:p>
         </p:txBody>
@@ -3356,13 +3349,6 @@
   <p:clrMapOvr>
     <a:masterClrMapping/>
   </p:clrMapOvr>
-  <p:timing>
-    <p:tnLst>
-      <p:par>
-        <p:cTn id="1" dur="indefinite" restart="never" nodeType="tmRoot"/>
-      </p:par>
-    </p:tnLst>
-  </p:timing>
 </p:sld>
 </file>
 
@@ -3399,10 +3385,9 @@
           <a:lstStyle/>
           <a:p>
             <a:r>
-              <a:rPr lang="lt-LT" dirty="0" smtClean="0"/>
+              <a:rPr lang="lt-LT" dirty="0"/>
               <a:t>Taktikos</a:t>
             </a:r>
-            <a:endParaRPr lang="lt-LT" dirty="0"/>
           </a:p>
         </p:txBody>
       </p:sp>
@@ -3430,32 +3415,20 @@
           </a:p>
           <a:p>
             <a:r>
-              <a:rPr lang="lt-LT" dirty="0" smtClean="0"/>
-              <a:t>Išanalizuoti </a:t>
-            </a:r>
-            <a:r>
               <a:rPr lang="lt-LT" dirty="0"/>
-              <a:t>panašias sistemas, įvertinti, kokia informacija yra plačiausiai naudojama jose.</a:t>
-            </a:r>
-          </a:p>
-          <a:p>
-            <a:r>
-              <a:rPr lang="lt-LT" dirty="0" smtClean="0"/>
-              <a:t>Paruošti </a:t>
-            </a:r>
+              <a:t>Išanalizuoti panašias sistemas, įvertinti, kokia informacija yra plačiausiai naudojama jose.</a:t>
+            </a:r>
+          </a:p>
+          <a:p>
             <a:r>
               <a:rPr lang="lt-LT" dirty="0"/>
-              <a:t>apklausą bei apklausą vykdančius darbuotojus, kurios tikslas būtų išrinkti tinkamiausią grafinę vartotojo sąsają.</a:t>
-            </a:r>
-          </a:p>
-          <a:p>
-            <a:r>
-              <a:rPr lang="lt-LT" dirty="0" smtClean="0"/>
-              <a:t>Išsiaiškinti</a:t>
-            </a:r>
+              <a:t>Paruošti apklausą bei apklausą vykdančius darbuotojus, kurios tikslas būtų išrinkti tinkamiausią grafinę vartotojo sąsają.</a:t>
+            </a:r>
+          </a:p>
+          <a:p>
             <a:r>
               <a:rPr lang="lt-LT" dirty="0"/>
-              <a:t>, kurie funkcionalumai yra aktualiausi vartotojams, pateikiant potancialiems vartotojams apklausas.</a:t>
+              <a:t>Išsiaiškinti, kurie funkcionalumai yra aktualiausi vartotojams, pateikiant potancialiems vartotojams apklausas.</a:t>
             </a:r>
           </a:p>
         </p:txBody>
@@ -3470,13 +3443,6 @@
   <p:clrMapOvr>
     <a:masterClrMapping/>
   </p:clrMapOvr>
-  <p:timing>
-    <p:tnLst>
-      <p:par>
-        <p:cTn id="1" dur="indefinite" restart="never" nodeType="tmRoot"/>
-      </p:par>
-    </p:tnLst>
-  </p:timing>
 </p:sld>
 </file>
 
@@ -3507,10 +3473,32 @@
             <p:ph type="title"/>
           </p:nvPr>
         </p:nvSpPr>
+        <p:spPr/>
+        <p:txBody>
+          <a:bodyPr/>
+          <a:lstStyle/>
+          <a:p>
+            <a:r>
+              <a:rPr lang="lt-LT" dirty="0"/>
+              <a:t>Analizės rezultatai</a:t>
+            </a:r>
+          </a:p>
+        </p:txBody>
+      </p:sp>
+      <p:sp>
+        <p:nvSpPr>
+          <p:cNvPr id="3" name="Content Placeholder 2"/>
+          <p:cNvSpPr>
+            <a:spLocks noGrp="1"/>
+          </p:cNvSpPr>
+          <p:nvPr>
+            <p:ph idx="1"/>
+          </p:nvPr>
+        </p:nvSpPr>
         <p:spPr>
           <a:xfrm>
-            <a:off x="457200" y="0"/>
-            <a:ext cx="8229600" cy="836712"/>
+            <a:off x="1115616" y="2132856"/>
+            <a:ext cx="7571184" cy="4525963"/>
           </a:xfrm>
         </p:spPr>
         <p:txBody>
@@ -3520,59 +3508,40 @@
           <a:lstStyle/>
           <a:p>
             <a:r>
-              <a:rPr lang="lt-LT" sz="4000" dirty="0" smtClean="0"/>
-              <a:t>Parametrų sekimo proceso pjūvis</a:t>
-            </a:r>
-            <a:endParaRPr lang="lt-LT" sz="4000" dirty="0"/>
-          </a:p>
-        </p:txBody>
-      </p:sp>
-      <p:pic>
-        <p:nvPicPr>
-          <p:cNvPr id="6" name="Content Placeholder 5"/>
-          <p:cNvPicPr>
-            <a:picLocks noGrp="1" noChangeAspect="1"/>
-          </p:cNvPicPr>
-          <p:nvPr>
-            <p:ph idx="1"/>
-          </p:nvPr>
-        </p:nvPicPr>
-        <p:blipFill>
-          <a:blip r:embed="rId2">
-            <a:extLst>
-              <a:ext uri="{28A0092B-C50C-407E-A947-70E740481C1C}">
-                <a14:useLocalDpi xmlns:a14="http://schemas.microsoft.com/office/drawing/2010/main" val="0"/>
-              </a:ext>
-            </a:extLst>
-          </a:blip>
-          <a:stretch>
-            <a:fillRect/>
-          </a:stretch>
-        </p:blipFill>
-        <p:spPr>
-          <a:xfrm>
-            <a:off x="1043608" y="868760"/>
-            <a:ext cx="7062576" cy="5976664"/>
-          </a:xfrm>
-        </p:spPr>
-      </p:pic>
+              <a:rPr lang="lt-LT" sz="4000" dirty="0"/>
+              <a:t>Stiprybės </a:t>
+            </a:r>
+          </a:p>
+          <a:p>
+            <a:r>
+              <a:rPr lang="lt-LT" sz="4000" dirty="0"/>
+              <a:t>Silpnybės</a:t>
+            </a:r>
+          </a:p>
+          <a:p>
+            <a:r>
+              <a:rPr lang="lt-LT" sz="4000" dirty="0"/>
+              <a:t>Galimybės</a:t>
+            </a:r>
+          </a:p>
+          <a:p>
+            <a:r>
+              <a:rPr lang="lt-LT" sz="4000" dirty="0"/>
+              <a:t>Pavojai</a:t>
+            </a:r>
+          </a:p>
+        </p:txBody>
+      </p:sp>
     </p:spTree>
     <p:extLst>
       <p:ext uri="{BB962C8B-B14F-4D97-AF65-F5344CB8AC3E}">
-        <p14:creationId xmlns:p14="http://schemas.microsoft.com/office/powerpoint/2010/main" val="3543498679"/>
+        <p14:creationId xmlns:p14="http://schemas.microsoft.com/office/powerpoint/2010/main" val="2315185826"/>
       </p:ext>
     </p:extLst>
   </p:cSld>
   <p:clrMapOvr>
     <a:masterClrMapping/>
   </p:clrMapOvr>
-  <p:timing>
-    <p:tnLst>
-      <p:par>
-        <p:cTn id="1" dur="indefinite" restart="never" nodeType="tmRoot"/>
-      </p:par>
-    </p:tnLst>
-  </p:timing>
 </p:sld>
 </file>
 
@@ -3603,324 +3572,6 @@
             <p:ph type="title"/>
           </p:nvPr>
         </p:nvSpPr>
-        <p:spPr/>
-        <p:txBody>
-          <a:bodyPr/>
-          <a:lstStyle/>
-          <a:p>
-            <a:r>
-              <a:rPr lang="lt-LT" dirty="0" smtClean="0"/>
-              <a:t>Analizės rezultatai</a:t>
-            </a:r>
-            <a:endParaRPr lang="lt-LT" dirty="0"/>
-          </a:p>
-        </p:txBody>
-      </p:sp>
-      <p:sp>
-        <p:nvSpPr>
-          <p:cNvPr id="3" name="Content Placeholder 2"/>
-          <p:cNvSpPr>
-            <a:spLocks noGrp="1"/>
-          </p:cNvSpPr>
-          <p:nvPr>
-            <p:ph idx="1"/>
-          </p:nvPr>
-        </p:nvSpPr>
-        <p:spPr>
-          <a:xfrm>
-            <a:off x="1115616" y="2132856"/>
-            <a:ext cx="7571184" cy="4525963"/>
-          </a:xfrm>
-        </p:spPr>
-        <p:txBody>
-          <a:bodyPr>
-            <a:normAutofit/>
-          </a:bodyPr>
-          <a:lstStyle/>
-          <a:p>
-            <a:r>
-              <a:rPr lang="lt-LT" sz="4000" dirty="0" smtClean="0"/>
-              <a:t>Stiprybės </a:t>
-            </a:r>
-          </a:p>
-          <a:p>
-            <a:r>
-              <a:rPr lang="lt-LT" sz="4000" dirty="0" smtClean="0"/>
-              <a:t>Silpnybės</a:t>
-            </a:r>
-          </a:p>
-          <a:p>
-            <a:r>
-              <a:rPr lang="lt-LT" sz="4000" dirty="0" smtClean="0"/>
-              <a:t>Galimybės</a:t>
-            </a:r>
-          </a:p>
-          <a:p>
-            <a:r>
-              <a:rPr lang="lt-LT" sz="4000" dirty="0" smtClean="0"/>
-              <a:t>Pavojai</a:t>
-            </a:r>
-            <a:endParaRPr lang="lt-LT" sz="4000" dirty="0"/>
-          </a:p>
-        </p:txBody>
-      </p:sp>
-    </p:spTree>
-    <p:extLst>
-      <p:ext uri="{BB962C8B-B14F-4D97-AF65-F5344CB8AC3E}">
-        <p14:creationId xmlns:p14="http://schemas.microsoft.com/office/powerpoint/2010/main" val="2315185826"/>
-      </p:ext>
-    </p:extLst>
-  </p:cSld>
-  <p:clrMapOvr>
-    <a:masterClrMapping/>
-  </p:clrMapOvr>
-  <p:timing>
-    <p:tnLst>
-      <p:par>
-        <p:cTn id="1" dur="indefinite" restart="never" nodeType="tmRoot"/>
-      </p:par>
-    </p:tnLst>
-  </p:timing>
-</p:sld>
-</file>
-
-<file path=ppt/slides/slide14.xml><?xml version="1.0" encoding="utf-8"?>
-<p:sld xmlns:a="http://schemas.openxmlformats.org/drawingml/2006/main" xmlns:r="http://schemas.openxmlformats.org/officeDocument/2006/relationships" xmlns:p="http://schemas.openxmlformats.org/presentationml/2006/main">
-  <p:cSld>
-    <p:spTree>
-      <p:nvGrpSpPr>
-        <p:cNvPr id="1" name=""/>
-        <p:cNvGrpSpPr/>
-        <p:nvPr/>
-      </p:nvGrpSpPr>
-      <p:grpSpPr>
-        <a:xfrm>
-          <a:off x="0" y="0"/>
-          <a:ext cx="0" cy="0"/>
-          <a:chOff x="0" y="0"/>
-          <a:chExt cx="0" cy="0"/>
-        </a:xfrm>
-      </p:grpSpPr>
-      <p:sp>
-        <p:nvSpPr>
-          <p:cNvPr id="2" name="Title 1"/>
-          <p:cNvSpPr>
-            <a:spLocks noGrp="1"/>
-          </p:cNvSpPr>
-          <p:nvPr>
-            <p:ph type="title"/>
-          </p:nvPr>
-        </p:nvSpPr>
-        <p:spPr/>
-        <p:txBody>
-          <a:bodyPr/>
-          <a:lstStyle/>
-          <a:p>
-            <a:r>
-              <a:rPr lang="lt-LT" dirty="0" smtClean="0"/>
-              <a:t>Strateginiai tikslai</a:t>
-            </a:r>
-            <a:endParaRPr lang="lt-LT" dirty="0"/>
-          </a:p>
-        </p:txBody>
-      </p:sp>
-      <p:sp>
-        <p:nvSpPr>
-          <p:cNvPr id="3" name="Content Placeholder 2"/>
-          <p:cNvSpPr>
-            <a:spLocks noGrp="1"/>
-          </p:cNvSpPr>
-          <p:nvPr>
-            <p:ph idx="1"/>
-          </p:nvPr>
-        </p:nvSpPr>
-        <p:spPr>
-          <a:xfrm>
-            <a:off x="457200" y="1772816"/>
-            <a:ext cx="8229600" cy="4353347"/>
-          </a:xfrm>
-        </p:spPr>
-        <p:txBody>
-          <a:bodyPr/>
-          <a:lstStyle/>
-          <a:p>
-            <a:r>
-              <a:rPr lang="lt-LT" dirty="0" smtClean="0"/>
-              <a:t>Kainos sumažinimas</a:t>
-            </a:r>
-          </a:p>
-          <a:p>
-            <a:r>
-              <a:rPr lang="lt-LT" dirty="0" smtClean="0"/>
-              <a:t>Prieinamumas senyviems žmonėms ir žmonėms su negalia</a:t>
-            </a:r>
-          </a:p>
-          <a:p>
-            <a:r>
-              <a:rPr lang="lt-LT" dirty="0" smtClean="0"/>
-              <a:t>Sistemos panaudojimas mažiems ūkiams</a:t>
-            </a:r>
-          </a:p>
-          <a:p>
-            <a:r>
-              <a:rPr lang="lt-LT" dirty="0" smtClean="0"/>
-              <a:t>Informavimas apie ūkį</a:t>
-            </a:r>
-          </a:p>
-          <a:p>
-            <a:r>
-              <a:rPr lang="lt-LT" dirty="0" smtClean="0"/>
-              <a:t>Pritaikymas dideliems ūkiams</a:t>
-            </a:r>
-          </a:p>
-          <a:p>
-            <a:endParaRPr lang="lt-LT" dirty="0"/>
-          </a:p>
-        </p:txBody>
-      </p:sp>
-    </p:spTree>
-    <p:extLst>
-      <p:ext uri="{BB962C8B-B14F-4D97-AF65-F5344CB8AC3E}">
-        <p14:creationId xmlns:p14="http://schemas.microsoft.com/office/powerpoint/2010/main" val="69241293"/>
-      </p:ext>
-    </p:extLst>
-  </p:cSld>
-  <p:clrMapOvr>
-    <a:masterClrMapping/>
-  </p:clrMapOvr>
-  <p:timing>
-    <p:tnLst>
-      <p:par>
-        <p:cTn id="1" dur="indefinite" restart="never" nodeType="tmRoot"/>
-      </p:par>
-    </p:tnLst>
-  </p:timing>
-</p:sld>
-</file>
-
-<file path=ppt/slides/slide15.xml><?xml version="1.0" encoding="utf-8"?>
-<p:sld xmlns:a="http://schemas.openxmlformats.org/drawingml/2006/main" xmlns:r="http://schemas.openxmlformats.org/officeDocument/2006/relationships" xmlns:p="http://schemas.openxmlformats.org/presentationml/2006/main">
-  <p:cSld>
-    <p:spTree>
-      <p:nvGrpSpPr>
-        <p:cNvPr id="1" name=""/>
-        <p:cNvGrpSpPr/>
-        <p:nvPr/>
-      </p:nvGrpSpPr>
-      <p:grpSpPr>
-        <a:xfrm>
-          <a:off x="0" y="0"/>
-          <a:ext cx="0" cy="0"/>
-          <a:chOff x="0" y="0"/>
-          <a:chExt cx="0" cy="0"/>
-        </a:xfrm>
-      </p:grpSpPr>
-      <p:sp>
-        <p:nvSpPr>
-          <p:cNvPr id="2" name="Title 1"/>
-          <p:cNvSpPr>
-            <a:spLocks noGrp="1"/>
-          </p:cNvSpPr>
-          <p:nvPr>
-            <p:ph type="title"/>
-          </p:nvPr>
-        </p:nvSpPr>
-        <p:spPr>
-          <a:xfrm>
-            <a:off x="457200" y="188640"/>
-            <a:ext cx="8229600" cy="1228998"/>
-          </a:xfrm>
-        </p:spPr>
-        <p:txBody>
-          <a:bodyPr>
-            <a:normAutofit fontScale="90000"/>
-          </a:bodyPr>
-          <a:lstStyle/>
-          <a:p>
-            <a:r>
-              <a:rPr lang="lt-LT" dirty="0" smtClean="0"/>
-              <a:t>Sistemos naudojimo scenarijus (gedimo šalinimas)</a:t>
-            </a:r>
-            <a:endParaRPr lang="lt-LT" dirty="0"/>
-          </a:p>
-        </p:txBody>
-      </p:sp>
-      <p:pic>
-        <p:nvPicPr>
-          <p:cNvPr id="4" name="Content Placeholder 3"/>
-          <p:cNvPicPr>
-            <a:picLocks noGrp="1" noChangeAspect="1"/>
-          </p:cNvPicPr>
-          <p:nvPr>
-            <p:ph idx="1"/>
-          </p:nvPr>
-        </p:nvPicPr>
-        <p:blipFill>
-          <a:blip r:embed="rId2">
-            <a:extLst>
-              <a:ext uri="{28A0092B-C50C-407E-A947-70E740481C1C}">
-                <a14:useLocalDpi xmlns:a14="http://schemas.microsoft.com/office/drawing/2010/main" val="0"/>
-              </a:ext>
-            </a:extLst>
-          </a:blip>
-          <a:stretch>
-            <a:fillRect/>
-          </a:stretch>
-        </p:blipFill>
-        <p:spPr>
-          <a:xfrm>
-            <a:off x="179512" y="1700808"/>
-            <a:ext cx="8682587" cy="4968552"/>
-          </a:xfrm>
-        </p:spPr>
-      </p:pic>
-    </p:spTree>
-    <p:extLst>
-      <p:ext uri="{BB962C8B-B14F-4D97-AF65-F5344CB8AC3E}">
-        <p14:creationId xmlns:p14="http://schemas.microsoft.com/office/powerpoint/2010/main" val="2919230841"/>
-      </p:ext>
-    </p:extLst>
-  </p:cSld>
-  <p:clrMapOvr>
-    <a:masterClrMapping/>
-  </p:clrMapOvr>
-  <p:timing>
-    <p:tnLst>
-      <p:par>
-        <p:cTn id="1" dur="indefinite" restart="never" nodeType="tmRoot"/>
-      </p:par>
-    </p:tnLst>
-  </p:timing>
-</p:sld>
-</file>
-
-<file path=ppt/slides/slide16.xml><?xml version="1.0" encoding="utf-8"?>
-<p:sld xmlns:a="http://schemas.openxmlformats.org/drawingml/2006/main" xmlns:r="http://schemas.openxmlformats.org/officeDocument/2006/relationships" xmlns:p="http://schemas.openxmlformats.org/presentationml/2006/main">
-  <p:cSld>
-    <p:spTree>
-      <p:nvGrpSpPr>
-        <p:cNvPr id="1" name=""/>
-        <p:cNvGrpSpPr/>
-        <p:nvPr/>
-      </p:nvGrpSpPr>
-      <p:grpSpPr>
-        <a:xfrm>
-          <a:off x="0" y="0"/>
-          <a:ext cx="0" cy="0"/>
-          <a:chOff x="0" y="0"/>
-          <a:chExt cx="0" cy="0"/>
-        </a:xfrm>
-      </p:grpSpPr>
-      <p:sp>
-        <p:nvSpPr>
-          <p:cNvPr id="2" name="Title 1"/>
-          <p:cNvSpPr>
-            <a:spLocks noGrp="1"/>
-          </p:cNvSpPr>
-          <p:nvPr>
-            <p:ph type="title"/>
-          </p:nvPr>
-        </p:nvSpPr>
         <p:spPr>
           <a:xfrm>
             <a:off x="457200" y="0"/>
@@ -3932,10 +3583,9 @@
           <a:lstStyle/>
           <a:p>
             <a:r>
-              <a:rPr lang="lt-LT" dirty="0" smtClean="0"/>
+              <a:rPr lang="lt-LT" dirty="0"/>
               <a:t>Įgyvendinimo planas</a:t>
             </a:r>
-            <a:endParaRPr lang="lt-LT" dirty="0"/>
           </a:p>
         </p:txBody>
       </p:sp>
@@ -3978,17 +3628,10 @@
   <p:clrMapOvr>
     <a:masterClrMapping/>
   </p:clrMapOvr>
-  <p:timing>
-    <p:tnLst>
-      <p:par>
-        <p:cTn id="1" dur="indefinite" restart="never" nodeType="tmRoot"/>
-      </p:par>
-    </p:tnLst>
-  </p:timing>
 </p:sld>
 </file>
 
-<file path=ppt/slides/slide17.xml><?xml version="1.0" encoding="utf-8"?>
+<file path=ppt/slides/slide14.xml><?xml version="1.0" encoding="utf-8"?>
 <p:sld xmlns:a="http://schemas.openxmlformats.org/drawingml/2006/main" xmlns:r="http://schemas.openxmlformats.org/officeDocument/2006/relationships" xmlns:p="http://schemas.openxmlformats.org/presentationml/2006/main">
   <p:cSld>
     <p:spTree>
@@ -4026,10 +3669,9 @@
           <a:lstStyle/>
           <a:p>
             <a:r>
-              <a:rPr lang="lt-LT" dirty="0" smtClean="0"/>
+              <a:rPr lang="lt-LT" dirty="0"/>
               <a:t>Įgyvendinamumo analizė</a:t>
             </a:r>
-            <a:endParaRPr lang="lt-LT" dirty="0"/>
           </a:p>
         </p:txBody>
       </p:sp>
@@ -4051,28 +3693,27 @@
           <a:lstStyle/>
           <a:p>
             <a:r>
-              <a:rPr lang="lt-LT" dirty="0" smtClean="0"/>
+              <a:rPr lang="lt-LT" dirty="0"/>
               <a:t>Operacinė</a:t>
             </a:r>
           </a:p>
           <a:p>
             <a:r>
-              <a:rPr lang="lt-LT" dirty="0" smtClean="0"/>
+              <a:rPr lang="lt-LT" dirty="0"/>
               <a:t>Techninė – Arduino mikrokontroleris, sensoriai, duombazė, autonominė technika, programinė įranga.</a:t>
             </a:r>
           </a:p>
           <a:p>
             <a:r>
-              <a:rPr lang="lt-LT" dirty="0" smtClean="0"/>
+              <a:rPr lang="lt-LT" dirty="0"/>
               <a:t>Ekonominė – išlaidos paslaugoms, išlaidos komandai išlaikyti, pajamos.</a:t>
             </a:r>
           </a:p>
           <a:p>
             <a:r>
-              <a:rPr lang="lt-LT" dirty="0" smtClean="0"/>
+              <a:rPr lang="lt-LT" dirty="0"/>
               <a:t>Teisinė – svarbiausias teisinis klausimas – ar nebus pažeistas asmens duomenų teisinės apsaugos įstatymas.</a:t>
             </a:r>
-            <a:endParaRPr lang="lt-LT" dirty="0"/>
           </a:p>
         </p:txBody>
       </p:sp>
@@ -4086,17 +3727,10 @@
   <p:clrMapOvr>
     <a:masterClrMapping/>
   </p:clrMapOvr>
-  <p:timing>
-    <p:tnLst>
-      <p:par>
-        <p:cTn id="1" dur="indefinite" restart="never" nodeType="tmRoot"/>
-      </p:par>
-    </p:tnLst>
-  </p:timing>
 </p:sld>
 </file>
 
-<file path=ppt/slides/slide18.xml><?xml version="1.0" encoding="utf-8"?>
+<file path=ppt/slides/slide15.xml><?xml version="1.0" encoding="utf-8"?>
 <p:sld xmlns:a="http://schemas.openxmlformats.org/drawingml/2006/main" xmlns:r="http://schemas.openxmlformats.org/officeDocument/2006/relationships" xmlns:p="http://schemas.openxmlformats.org/presentationml/2006/main">
   <p:cSld>
     <p:spTree>
@@ -4134,10 +3768,9 @@
           <a:lstStyle/>
           <a:p>
             <a:r>
-              <a:rPr lang="lt-LT" dirty="0" smtClean="0"/>
+              <a:rPr lang="lt-LT" dirty="0"/>
               <a:t>Išvados</a:t>
             </a:r>
-            <a:endParaRPr lang="lt-LT" dirty="0"/>
           </a:p>
         </p:txBody>
       </p:sp>
@@ -4170,13 +3803,6 @@
   <p:clrMapOvr>
     <a:masterClrMapping/>
   </p:clrMapOvr>
-  <p:timing>
-    <p:tnLst>
-      <p:par>
-        <p:cTn id="1" dur="indefinite" restart="never" nodeType="tmRoot"/>
-      </p:par>
-    </p:tnLst>
-  </p:timing>
 </p:sld>
 </file>
 
@@ -4213,10 +3839,9 @@
           <a:lstStyle/>
           <a:p>
             <a:r>
-              <a:rPr lang="lt-LT" dirty="0" smtClean="0"/>
+              <a:rPr lang="lt-LT" dirty="0"/>
               <a:t>Įvadas</a:t>
             </a:r>
-            <a:endParaRPr lang="lt-LT" dirty="0"/>
           </a:p>
         </p:txBody>
       </p:sp>
@@ -4238,25 +3863,15 @@
           <a:lstStyle/>
           <a:p>
             <a:r>
-              <a:rPr lang="lt-LT" dirty="0" smtClean="0"/>
-              <a:t>Sistemos </a:t>
-            </a:r>
-            <a:r>
               <a:rPr lang="lt-LT" dirty="0"/>
-              <a:t>tikslas - automatizuoti kuo daugiau ūkio veiklų. </a:t>
-            </a:r>
-            <a:endParaRPr lang="lt-LT" dirty="0" smtClean="0"/>
-          </a:p>
-          <a:p>
-            <a:r>
-              <a:rPr lang="lt-LT" dirty="0" smtClean="0"/>
-              <a:t>Šio </a:t>
-            </a:r>
+              <a:t>Sistemos tikslas - automatizuoti kuo daugiau ūkio veiklų. </a:t>
+            </a:r>
+          </a:p>
+          <a:p>
             <a:r>
               <a:rPr lang="lt-LT" dirty="0"/>
-              <a:t>laboratorinio darbo tikslas - atlikti verslo analizę: atlikti išorinę ir vidinę procesų analizę, SWOT analizę, sukurti verslo vystymo strategiją ir išsiaiškinti, ar turint dabartinę rinkos, technologijų ir žinių situaciją, sistemos kūrimas ir implementavimas pasiteisintų kaip verslo planas.</a:t>
-            </a:r>
-            <a:endParaRPr lang="lt-LT" dirty="0"/>
+              <a:t>Šio laboratorinio darbo tikslas - atlikti verslo analizę: atlikti išorinę ir vidinę procesų analizę, SWOT analizę, sukurti verslo vystymo strategiją ir išsiaiškinti, ar turint dabartinę rinkos, technologijų ir žinių situaciją, sistemos kūrimas ir implementavimas pasiteisintų kaip verslo planas.</a:t>
+            </a:r>
           </a:p>
         </p:txBody>
       </p:sp>
@@ -4270,13 +3885,6 @@
   <p:clrMapOvr>
     <a:masterClrMapping/>
   </p:clrMapOvr>
-  <p:timing>
-    <p:tnLst>
-      <p:par>
-        <p:cTn id="1" dur="indefinite" restart="never" nodeType="tmRoot"/>
-      </p:par>
-    </p:tnLst>
-  </p:timing>
 </p:sld>
 </file>
 
@@ -4318,10 +3926,9 @@
           <a:lstStyle/>
           <a:p>
             <a:r>
-              <a:rPr lang="lt-LT" dirty="0" smtClean="0"/>
+              <a:rPr lang="lt-LT" dirty="0"/>
               <a:t>Black Box analizė</a:t>
             </a:r>
-            <a:endParaRPr lang="lt-LT" dirty="0"/>
           </a:p>
         </p:txBody>
       </p:sp>
@@ -4364,13 +3971,6 @@
   <p:clrMapOvr>
     <a:masterClrMapping/>
   </p:clrMapOvr>
-  <p:timing>
-    <p:tnLst>
-      <p:par>
-        <p:cTn id="1" dur="indefinite" restart="never" nodeType="tmRoot"/>
-      </p:par>
-    </p:tnLst>
-  </p:timing>
 </p:sld>
 </file>
 
@@ -4414,10 +4014,9 @@
           <a:lstStyle/>
           <a:p>
             <a:r>
-              <a:rPr lang="lt-LT" dirty="0" smtClean="0"/>
+              <a:rPr lang="lt-LT" dirty="0"/>
               <a:t>Tiekimo grandinė</a:t>
             </a:r>
-            <a:endParaRPr lang="lt-LT" dirty="0"/>
           </a:p>
         </p:txBody>
       </p:sp>
@@ -4460,13 +4059,6 @@
   <p:clrMapOvr>
     <a:masterClrMapping/>
   </p:clrMapOvr>
-  <p:timing>
-    <p:tnLst>
-      <p:par>
-        <p:cTn id="1" dur="indefinite" restart="never" nodeType="tmRoot"/>
-      </p:par>
-    </p:tnLst>
-  </p:timing>
 </p:sld>
 </file>
 
@@ -4508,10 +4100,9 @@
           <a:lstStyle/>
           <a:p>
             <a:r>
-              <a:rPr lang="lt-LT" dirty="0" smtClean="0"/>
+              <a:rPr lang="lt-LT" dirty="0"/>
               <a:t>5 Porterio jėgų analizė</a:t>
             </a:r>
-            <a:endParaRPr lang="lt-LT" dirty="0"/>
           </a:p>
         </p:txBody>
       </p:sp>
@@ -4554,13 +4145,6 @@
   <p:clrMapOvr>
     <a:masterClrMapping/>
   </p:clrMapOvr>
-  <p:timing>
-    <p:tnLst>
-      <p:par>
-        <p:cTn id="1" dur="indefinite" restart="never" nodeType="tmRoot"/>
-      </p:par>
-    </p:tnLst>
-  </p:timing>
 </p:sld>
 </file>
 
@@ -4602,10 +4186,9 @@
           <a:lstStyle/>
           <a:p>
             <a:r>
-              <a:rPr lang="lt-LT" dirty="0" smtClean="0"/>
+              <a:rPr lang="lt-LT" dirty="0"/>
               <a:t>Canvas</a:t>
             </a:r>
-            <a:endParaRPr lang="lt-LT" dirty="0"/>
           </a:p>
         </p:txBody>
       </p:sp>
@@ -4632,38 +4215,37 @@
           <a:lstStyle/>
           <a:p>
             <a:r>
-              <a:rPr lang="lt-LT" dirty="0" smtClean="0"/>
+              <a:rPr lang="lt-LT" dirty="0"/>
               <a:t>Kuriama vertė – automatizacija, darbų paspartinimas ir efektyvumo/kainos santykio padidinimas.</a:t>
             </a:r>
           </a:p>
           <a:p>
             <a:r>
-              <a:rPr lang="lt-LT" dirty="0" smtClean="0"/>
+              <a:rPr lang="lt-LT" dirty="0"/>
               <a:t>Kientų segmentai – mažieji ūkiai, didieji ūkiai, užsiimantys augalininkyste ar gyvulininkyste.</a:t>
             </a:r>
           </a:p>
           <a:p>
             <a:r>
-              <a:rPr lang="lt-LT" dirty="0" smtClean="0"/>
+              <a:rPr lang="lt-LT" dirty="0"/>
               <a:t>Komunikavimo kanalai – fizinis, mobili aplikacija, svetainė, žurnalai.</a:t>
             </a:r>
           </a:p>
           <a:p>
             <a:r>
-              <a:rPr lang="lt-LT" smtClean="0"/>
+              <a:rPr lang="lt-LT"/>
               <a:t>Resursai – programuotojai</a:t>
             </a:r>
             <a:r>
-              <a:rPr lang="lt-LT" dirty="0" smtClean="0"/>
+              <a:rPr lang="lt-LT" dirty="0"/>
               <a:t>, eketronikos specialistai, Arduino kontroleriai, savaeigė technika.</a:t>
             </a:r>
           </a:p>
           <a:p>
             <a:r>
-              <a:rPr lang="lt-LT" dirty="0" smtClean="0"/>
+              <a:rPr lang="lt-LT" dirty="0"/>
               <a:t>Veikos – detektorių prijungimas, savaeigės technikos susiejimas su sistema, įrangos pristatymas.</a:t>
             </a:r>
-            <a:endParaRPr lang="lt-LT" dirty="0"/>
           </a:p>
         </p:txBody>
       </p:sp>
@@ -4677,13 +4259,6 @@
   <p:clrMapOvr>
     <a:masterClrMapping/>
   </p:clrMapOvr>
-  <p:timing>
-    <p:tnLst>
-      <p:par>
-        <p:cTn id="1" dur="indefinite" restart="never" nodeType="tmRoot"/>
-      </p:par>
-    </p:tnLst>
-  </p:timing>
 </p:sld>
 </file>
 
@@ -4725,10 +4300,9 @@
           <a:lstStyle/>
           <a:p>
             <a:r>
-              <a:rPr lang="lt-LT" dirty="0" smtClean="0"/>
+              <a:rPr lang="lt-LT" dirty="0"/>
               <a:t>Vertės grandinė</a:t>
             </a:r>
-            <a:endParaRPr lang="lt-LT" dirty="0"/>
           </a:p>
         </p:txBody>
       </p:sp>
@@ -4788,7 +4362,7 @@
               <a:buChar char="•"/>
             </a:pPr>
             <a:r>
-              <a:rPr lang="lt-LT" sz="2400" dirty="0" smtClean="0"/>
+              <a:rPr lang="lt-LT" sz="2400" dirty="0"/>
               <a:t>Įmonės infrastruktūra</a:t>
             </a:r>
           </a:p>
@@ -4798,7 +4372,7 @@
               <a:buChar char="•"/>
             </a:pPr>
             <a:r>
-              <a:rPr lang="lt-LT" sz="2400" dirty="0" smtClean="0"/>
+              <a:rPr lang="lt-LT" sz="2400" dirty="0"/>
               <a:t>Žmogiškieji ištekliai</a:t>
             </a:r>
           </a:p>
@@ -4808,7 +4382,7 @@
               <a:buChar char="•"/>
             </a:pPr>
             <a:r>
-              <a:rPr lang="lt-LT" sz="2400" dirty="0" smtClean="0"/>
+              <a:rPr lang="lt-LT" sz="2400" dirty="0"/>
               <a:t>Technologijos tobulinimas</a:t>
             </a:r>
           </a:p>
@@ -4818,10 +4392,9 @@
               <a:buChar char="•"/>
             </a:pPr>
             <a:r>
-              <a:rPr lang="lt-LT" sz="2400" dirty="0" smtClean="0"/>
+              <a:rPr lang="lt-LT" sz="2400" dirty="0"/>
               <a:t>Pirkimai</a:t>
             </a:r>
-            <a:endParaRPr lang="lt-LT" sz="2400" dirty="0"/>
           </a:p>
         </p:txBody>
       </p:sp>
@@ -4852,7 +4425,7 @@
               <a:buChar char="•"/>
             </a:pPr>
             <a:r>
-              <a:rPr lang="lt-LT" sz="2400" dirty="0" smtClean="0"/>
+              <a:rPr lang="lt-LT" sz="2400" dirty="0"/>
               <a:t>Įeigos logistika</a:t>
             </a:r>
           </a:p>
@@ -4862,7 +4435,7 @@
               <a:buChar char="•"/>
             </a:pPr>
             <a:r>
-              <a:rPr lang="lt-LT" sz="2400" dirty="0" smtClean="0"/>
+              <a:rPr lang="lt-LT" sz="2400" dirty="0"/>
               <a:t>Operacijos</a:t>
             </a:r>
           </a:p>
@@ -4872,7 +4445,7 @@
               <a:buChar char="•"/>
             </a:pPr>
             <a:r>
-              <a:rPr lang="lt-LT" sz="2400" dirty="0" smtClean="0"/>
+              <a:rPr lang="lt-LT" sz="2400" dirty="0"/>
               <a:t>Jėgos logistika</a:t>
             </a:r>
           </a:p>
@@ -4882,7 +4455,7 @@
               <a:buChar char="•"/>
             </a:pPr>
             <a:r>
-              <a:rPr lang="lt-LT" sz="2400" dirty="0" smtClean="0"/>
+              <a:rPr lang="lt-LT" sz="2400" dirty="0"/>
               <a:t>Reklama ir pardavimai</a:t>
             </a:r>
           </a:p>
@@ -4892,10 +4465,9 @@
               <a:buChar char="•"/>
             </a:pPr>
             <a:r>
-              <a:rPr lang="lt-LT" sz="2400" dirty="0" smtClean="0"/>
+              <a:rPr lang="lt-LT" sz="2400" dirty="0"/>
               <a:t>Aptarnavimas</a:t>
             </a:r>
-            <a:endParaRPr lang="lt-LT" sz="2400" dirty="0"/>
           </a:p>
         </p:txBody>
       </p:sp>
@@ -4909,13 +4481,6 @@
   <p:clrMapOvr>
     <a:masterClrMapping/>
   </p:clrMapOvr>
-  <p:timing>
-    <p:tnLst>
-      <p:par>
-        <p:cTn id="1" dur="indefinite" restart="never" nodeType="tmRoot"/>
-      </p:par>
-    </p:tnLst>
-  </p:timing>
 </p:sld>
 </file>
 
@@ -4952,10 +4517,9 @@
           <a:lstStyle/>
           <a:p>
             <a:r>
-              <a:rPr lang="lt-LT" dirty="0" smtClean="0"/>
+              <a:rPr lang="lt-LT" dirty="0"/>
               <a:t>Misija ir vizija</a:t>
             </a:r>
-            <a:endParaRPr lang="lt-LT" dirty="0"/>
           </a:p>
         </p:txBody>
       </p:sp>
@@ -4971,22 +4535,23 @@
         </p:nvSpPr>
         <p:spPr/>
         <p:txBody>
-          <a:bodyPr/>
+          <a:bodyPr vert="horz" lIns="91440" tIns="45720" rIns="91440" bIns="45720" rtlCol="0" anchor="t">
+            <a:normAutofit/>
+          </a:bodyPr>
           <a:lstStyle/>
           <a:p>
             <a:r>
               <a:rPr lang="lt-LT" dirty="0"/>
-              <a:t>Misija - sukurti aplikaciją, kuri leistų ūkininkams valdyti savo ūkį su kuo mažiau žmogiškosios interakcijos bei konkuruotų pasaulinėje rinkoje.</a:t>
-            </a:r>
-          </a:p>
-          <a:p>
-            <a:r>
-              <a:rPr lang="lt-LT" dirty="0" smtClean="0"/>
-              <a:t>Vizija </a:t>
-            </a:r>
+              <a:t>Misiją - sutekti žmonėms pigesnį ir kokybiškesnį žemės ūkio produktą.</a:t>
+            </a:r>
+          </a:p>
+          <a:p>
+            <a:pPr>
+              <a:buFont typeface="Arial"/>
+            </a:pPr>
             <a:r>
               <a:rPr lang="lt-LT" dirty="0"/>
-              <a:t>- automatizuoti ūkio sektoriaus valdymą: laukų arimas, gyvulių maitinimas bei kitos ūkio priežiūros veiklos būtų vykdomos autonomiškai.</a:t>
+              <a:t>Vizija - pasaulis kuriame fizinį darbą už žmogų atlieka technologijos.</a:t>
             </a:r>
           </a:p>
         </p:txBody>
@@ -5001,13 +4566,6 @@
   <p:clrMapOvr>
     <a:masterClrMapping/>
   </p:clrMapOvr>
-  <p:timing>
-    <p:tnLst>
-      <p:par>
-        <p:cTn id="1" dur="indefinite" restart="never" nodeType="tmRoot"/>
-      </p:par>
-    </p:tnLst>
-  </p:timing>
 </p:sld>
 </file>
 
@@ -5044,10 +4602,9 @@
           <a:lstStyle/>
           <a:p>
             <a:r>
-              <a:rPr lang="lt-LT" dirty="0" smtClean="0"/>
+              <a:rPr lang="lt-LT" dirty="0"/>
               <a:t>Tikslai</a:t>
             </a:r>
-            <a:endParaRPr lang="lt-LT" dirty="0"/>
           </a:p>
         </p:txBody>
       </p:sp>
@@ -5075,36 +4632,20 @@
           </a:p>
           <a:p>
             <a:r>
-              <a:rPr lang="lt-LT" dirty="0" smtClean="0"/>
-              <a:t>Sutelkti </a:t>
-            </a:r>
-            <a:r>
               <a:rPr lang="lt-LT" dirty="0"/>
-              <a:t>visą informaciją, aktualią ūkio priežiūrai/valdymui, į vieną vietą</a:t>
-            </a:r>
-            <a:r>
-              <a:rPr lang="lt-LT" dirty="0" smtClean="0"/>
-              <a:t>.</a:t>
-            </a:r>
-          </a:p>
-          <a:p>
-            <a:r>
-              <a:rPr lang="lt-LT" dirty="0" smtClean="0"/>
-              <a:t> Pritaikyti </a:t>
-            </a:r>
+              <a:t>Sutelkti visą informaciją, aktualią ūkio priežiūrai/valdymui, į vieną vietą.</a:t>
+            </a:r>
+          </a:p>
+          <a:p>
             <a:r>
               <a:rPr lang="lt-LT" dirty="0"/>
-              <a:t>programą naudojimui visoje Lietuvoje.</a:t>
-            </a:r>
-          </a:p>
-          <a:p>
-            <a:r>
-              <a:rPr lang="lt-LT" dirty="0" smtClean="0"/>
-              <a:t>Sukurti </a:t>
-            </a:r>
+              <a:t> Pritaikyti programą naudojimui visoje Lietuvoje.</a:t>
+            </a:r>
+          </a:p>
+          <a:p>
             <a:r>
               <a:rPr lang="lt-LT" dirty="0"/>
-              <a:t>patogią, patrauklią bei paprastą grafinę vartotojo sąsają.</a:t>
+              <a:t>Sukurti patogią, patrauklią bei paprastą grafinę vartotojo sąsają.</a:t>
             </a:r>
           </a:p>
         </p:txBody>
@@ -5119,13 +4660,6 @@
   <p:clrMapOvr>
     <a:masterClrMapping/>
   </p:clrMapOvr>
-  <p:timing>
-    <p:tnLst>
-      <p:par>
-        <p:cTn id="1" dur="indefinite" restart="never" nodeType="tmRoot"/>
-      </p:par>
-    </p:tnLst>
-  </p:timing>
 </p:sld>
 </file>
 
